--- a/Final report/Deep learning in medical image analysis.pptx
+++ b/Final report/Deep learning in medical image analysis.pptx
@@ -278,7 +278,7 @@
           <a:p>
             <a:fld id="{9BBCA170-6245-4592-B908-14D1537062D6}" type="datetimeFigureOut">
               <a:rPr lang="en-US" smtClean="0"/>
-              <a:t>1/3/2021</a:t>
+              <a:t>1/4/2021</a:t>
             </a:fld>
             <a:endParaRPr lang="en-US"/>
           </a:p>
@@ -3917,7 +3917,7 @@
           <a:p>
             <a:fld id="{86D965A2-6917-4842-85CF-8287B7EC2E19}" type="datetime1">
               <a:rPr lang="en-US" smtClean="0"/>
-              <a:t>1/3/2021</a:t>
+              <a:t>1/4/2021</a:t>
             </a:fld>
             <a:endParaRPr lang="en-US"/>
           </a:p>
@@ -4099,7 +4099,7 @@
           <a:p>
             <a:fld id="{12A34139-2AAD-4E65-80A3-3ECFA2A90A6A}" type="datetime1">
               <a:rPr lang="en-US" smtClean="0"/>
-              <a:t>1/3/2021</a:t>
+              <a:t>1/4/2021</a:t>
             </a:fld>
             <a:endParaRPr lang="en-US"/>
           </a:p>
@@ -4286,7 +4286,7 @@
           <a:p>
             <a:fld id="{F7483BE2-6109-4523-A7EA-AD1D542E7966}" type="datetime1">
               <a:rPr lang="en-US" smtClean="0"/>
-              <a:t>1/3/2021</a:t>
+              <a:t>1/4/2021</a:t>
             </a:fld>
             <a:endParaRPr lang="en-US"/>
           </a:p>
@@ -4463,7 +4463,7 @@
           <a:p>
             <a:fld id="{00C7F7E3-2987-4AF8-9B10-B7263D1EECBF}" type="datetime1">
               <a:rPr lang="en-US" smtClean="0"/>
-              <a:t>1/3/2021</a:t>
+              <a:t>1/4/2021</a:t>
             </a:fld>
             <a:endParaRPr lang="en-US"/>
           </a:p>
@@ -4716,7 +4716,7 @@
           <a:p>
             <a:fld id="{F98A5560-F4B6-4255-B822-0A0B3E81A947}" type="datetime1">
               <a:rPr lang="en-US" smtClean="0"/>
-              <a:t>1/3/2021</a:t>
+              <a:t>1/4/2021</a:t>
             </a:fld>
             <a:endParaRPr lang="en-US"/>
           </a:p>
@@ -4960,7 +4960,7 @@
           <a:p>
             <a:fld id="{DC8407E7-14D1-45E7-BF8D-6015C1011ED9}" type="datetime1">
               <a:rPr lang="en-US" smtClean="0"/>
-              <a:t>1/3/2021</a:t>
+              <a:t>1/4/2021</a:t>
             </a:fld>
             <a:endParaRPr lang="en-US"/>
           </a:p>
@@ -5339,7 +5339,7 @@
           <a:p>
             <a:fld id="{A727B813-333D-4090-B3AC-DE18895F5805}" type="datetime1">
               <a:rPr lang="en-US" smtClean="0"/>
-              <a:t>1/3/2021</a:t>
+              <a:t>1/4/2021</a:t>
             </a:fld>
             <a:endParaRPr lang="en-US"/>
           </a:p>
@@ -5469,7 +5469,7 @@
           <a:p>
             <a:fld id="{CCF62D3B-3129-4805-BF2E-E1D7CA0ED3C8}" type="datetime1">
               <a:rPr lang="en-US" smtClean="0"/>
-              <a:t>1/3/2021</a:t>
+              <a:t>1/4/2021</a:t>
             </a:fld>
             <a:endParaRPr lang="en-US"/>
           </a:p>
@@ -5576,7 +5576,7 @@
           <a:p>
             <a:fld id="{BE6D930F-D23D-415A-9632-B7141B52DEE0}" type="datetime1">
               <a:rPr lang="en-US" smtClean="0"/>
-              <a:t>1/3/2021</a:t>
+              <a:t>1/4/2021</a:t>
             </a:fld>
             <a:endParaRPr lang="en-US"/>
           </a:p>
@@ -5860,7 +5860,7 @@
           <a:p>
             <a:fld id="{5E650480-A4E5-4AC1-AB7B-6FA60CFA8B72}" type="datetime1">
               <a:rPr lang="en-US" smtClean="0"/>
-              <a:t>1/3/2021</a:t>
+              <a:t>1/4/2021</a:t>
             </a:fld>
             <a:endParaRPr lang="en-US"/>
           </a:p>
@@ -6120,7 +6120,7 @@
           <a:p>
             <a:fld id="{4A5C28F0-DE2F-4AA5-9C54-0B8994804154}" type="datetime1">
               <a:rPr lang="en-US" smtClean="0"/>
-              <a:t>1/3/2021</a:t>
+              <a:t>1/4/2021</a:t>
             </a:fld>
             <a:endParaRPr lang="en-US"/>
           </a:p>
@@ -6340,7 +6340,7 @@
           <a:p>
             <a:fld id="{B24056BF-F7CF-43BD-A5E4-00E39AF659BF}" type="datetime1">
               <a:rPr lang="en-US" smtClean="0"/>
-              <a:t>1/3/2021</a:t>
+              <a:t>1/4/2021</a:t>
             </a:fld>
             <a:endParaRPr lang="en-US" dirty="0"/>
           </a:p>
@@ -6826,7 +6826,14 @@
                 <a:latin typeface="Times New Roman" panose="02020603050405020304" pitchFamily="18" charset="0"/>
                 <a:cs typeface="Times New Roman" panose="02020603050405020304" pitchFamily="18" charset="0"/>
               </a:rPr>
-              <a:t>B.Tech Le, Quang Sang</a:t>
+              <a:t>Lê Quang </a:t>
+            </a:r>
+            <a:r>
+              <a:rPr lang="en-US" dirty="0" smtClean="0">
+                <a:latin typeface="Times New Roman" panose="02020603050405020304" pitchFamily="18" charset="0"/>
+                <a:cs typeface="Times New Roman" panose="02020603050405020304" pitchFamily="18" charset="0"/>
+              </a:rPr>
+              <a:t>Sang</a:t>
             </a:r>
             <a:endParaRPr lang="en-US" dirty="0">
               <a:latin typeface="Times New Roman" panose="02020603050405020304" pitchFamily="18" charset="0"/>
@@ -7035,9 +7042,9 @@
                 <a:latin typeface="Times New Roman" panose="02020603050405020304" pitchFamily="18" charset="0"/>
                 <a:cs typeface="Times New Roman" panose="02020603050405020304" pitchFamily="18" charset="0"/>
               </a:rPr>
-              <a:t>Dr. Tran, Cong An</a:t>
-            </a:r>
-            <a:endParaRPr lang="en-US" dirty="0">
+              <a:t>Trần Công Án, PhD</a:t>
+            </a:r>
+            <a:endParaRPr lang="en-US" dirty="0" smtClean="0">
               <a:latin typeface="Times New Roman" panose="02020603050405020304" pitchFamily="18" charset="0"/>
               <a:cs typeface="Times New Roman" panose="02020603050405020304" pitchFamily="18" charset="0"/>
             </a:endParaRPr>
@@ -7063,7 +7070,7 @@
             <p:cNvPr id="6" name="TextBox 5">
               <a:extLst>
                 <a:ext uri="{FF2B5EF4-FFF2-40B4-BE49-F238E27FC236}">
-                  <a16:creationId xmlns:a16="http://schemas.microsoft.com/office/drawing/2014/main" xmlns="" id="{CE787351-572A-4785-B0DB-6772A8C706B8}"/>
+                  <a16:creationId xmlns="" xmlns:a16="http://schemas.microsoft.com/office/drawing/2014/main" id="{CE787351-572A-4785-B0DB-6772A8C706B8}"/>
                 </a:ext>
               </a:extLst>
             </p:cNvPr>
@@ -7174,7 +7181,7 @@
           <p:cNvPr id="8" name="TextBox 7">
             <a:extLst>
               <a:ext uri="{FF2B5EF4-FFF2-40B4-BE49-F238E27FC236}">
-                <a16:creationId xmlns:a16="http://schemas.microsoft.com/office/drawing/2014/main" xmlns="" id="{CE787351-572A-4785-B0DB-6772A8C706B8}"/>
+                <a16:creationId xmlns="" xmlns:a16="http://schemas.microsoft.com/office/drawing/2014/main" id="{CE787351-572A-4785-B0DB-6772A8C706B8}"/>
               </a:ext>
             </a:extLst>
           </p:cNvPr>
@@ -7270,7 +7277,7 @@
           <p:cNvPr id="5" name="직사각형 9">
             <a:extLst>
               <a:ext uri="{FF2B5EF4-FFF2-40B4-BE49-F238E27FC236}">
-                <a16:creationId xmlns:a16="http://schemas.microsoft.com/office/drawing/2014/main" xmlns="" id="{0062B461-7F23-4B8D-8438-039CB1DFC719}"/>
+                <a16:creationId xmlns="" xmlns:a16="http://schemas.microsoft.com/office/drawing/2014/main" id="{0062B461-7F23-4B8D-8438-039CB1DFC719}"/>
               </a:ext>
             </a:extLst>
           </p:cNvPr>
@@ -8226,7 +8233,7 @@
           <p:cNvPr id="5" name="직사각형 9">
             <a:extLst>
               <a:ext uri="{FF2B5EF4-FFF2-40B4-BE49-F238E27FC236}">
-                <a16:creationId xmlns:a16="http://schemas.microsoft.com/office/drawing/2014/main" xmlns="" id="{0062B461-7F23-4B8D-8438-039CB1DFC719}"/>
+                <a16:creationId xmlns="" xmlns:a16="http://schemas.microsoft.com/office/drawing/2014/main" id="{0062B461-7F23-4B8D-8438-039CB1DFC719}"/>
               </a:ext>
             </a:extLst>
           </p:cNvPr>
@@ -9181,7 +9188,7 @@
           <p:cNvPr id="5" name="직사각형 9">
             <a:extLst>
               <a:ext uri="{FF2B5EF4-FFF2-40B4-BE49-F238E27FC236}">
-                <a16:creationId xmlns:a16="http://schemas.microsoft.com/office/drawing/2014/main" xmlns="" id="{0062B461-7F23-4B8D-8438-039CB1DFC719}"/>
+                <a16:creationId xmlns="" xmlns:a16="http://schemas.microsoft.com/office/drawing/2014/main" id="{0062B461-7F23-4B8D-8438-039CB1DFC719}"/>
               </a:ext>
             </a:extLst>
           </p:cNvPr>
@@ -11199,7 +11206,7 @@
           <p:cNvPr id="5" name="직사각형 9">
             <a:extLst>
               <a:ext uri="{FF2B5EF4-FFF2-40B4-BE49-F238E27FC236}">
-                <a16:creationId xmlns:a16="http://schemas.microsoft.com/office/drawing/2014/main" xmlns="" id="{0062B461-7F23-4B8D-8438-039CB1DFC719}"/>
+                <a16:creationId xmlns="" xmlns:a16="http://schemas.microsoft.com/office/drawing/2014/main" id="{0062B461-7F23-4B8D-8438-039CB1DFC719}"/>
               </a:ext>
             </a:extLst>
           </p:cNvPr>
@@ -12302,17 +12309,8 @@
               <a:rPr lang="en-US" sz="2400" dirty="0" smtClean="0">
                 <a:cs typeface="Times New Roman" panose="02020603050405020304" pitchFamily="18" charset="0"/>
               </a:rPr>
-              <a:t> </a:t>
-            </a:r>
-            <a:r>
-              <a:rPr lang="en-US" sz="2400" dirty="0" smtClean="0">
-                <a:cs typeface="Times New Roman" panose="02020603050405020304" pitchFamily="18" charset="0"/>
-              </a:rPr>
-              <a:t>game</a:t>
-            </a:r>
-            <a:endParaRPr lang="en-US" sz="2400" dirty="0" smtClean="0">
-              <a:cs typeface="Times New Roman" panose="02020603050405020304" pitchFamily="18" charset="0"/>
-            </a:endParaRPr>
+              <a:t> game</a:t>
+            </a:r>
           </a:p>
           <a:p>
             <a:endParaRPr lang="en-US" dirty="0" smtClean="0">
@@ -14084,7 +14082,7 @@
           <p:cNvPr id="5" name="직사각형 9">
             <a:extLst>
               <a:ext uri="{FF2B5EF4-FFF2-40B4-BE49-F238E27FC236}">
-                <a16:creationId xmlns:a16="http://schemas.microsoft.com/office/drawing/2014/main" xmlns="" id="{0062B461-7F23-4B8D-8438-039CB1DFC719}"/>
+                <a16:creationId xmlns="" xmlns:a16="http://schemas.microsoft.com/office/drawing/2014/main" id="{0062B461-7F23-4B8D-8438-039CB1DFC719}"/>
               </a:ext>
             </a:extLst>
           </p:cNvPr>
@@ -15177,7 +15175,7 @@
           <p:cNvPr id="5" name="직사각형 9">
             <a:extLst>
               <a:ext uri="{FF2B5EF4-FFF2-40B4-BE49-F238E27FC236}">
-                <a16:creationId xmlns:a16="http://schemas.microsoft.com/office/drawing/2014/main" xmlns="" id="{0062B461-7F23-4B8D-8438-039CB1DFC719}"/>
+                <a16:creationId xmlns="" xmlns:a16="http://schemas.microsoft.com/office/drawing/2014/main" id="{0062B461-7F23-4B8D-8438-039CB1DFC719}"/>
               </a:ext>
             </a:extLst>
           </p:cNvPr>
@@ -16257,7 +16255,7 @@
           <p:cNvPr id="5" name="직사각형 9">
             <a:extLst>
               <a:ext uri="{FF2B5EF4-FFF2-40B4-BE49-F238E27FC236}">
-                <a16:creationId xmlns:a16="http://schemas.microsoft.com/office/drawing/2014/main" xmlns="" id="{0062B461-7F23-4B8D-8438-039CB1DFC719}"/>
+                <a16:creationId xmlns="" xmlns:a16="http://schemas.microsoft.com/office/drawing/2014/main" id="{0062B461-7F23-4B8D-8438-039CB1DFC719}"/>
               </a:ext>
             </a:extLst>
           </p:cNvPr>
@@ -17318,7 +17316,7 @@
           <p:cNvPr id="5" name="직사각형 9">
             <a:extLst>
               <a:ext uri="{FF2B5EF4-FFF2-40B4-BE49-F238E27FC236}">
-                <a16:creationId xmlns:a16="http://schemas.microsoft.com/office/drawing/2014/main" xmlns="" id="{0062B461-7F23-4B8D-8438-039CB1DFC719}"/>
+                <a16:creationId xmlns="" xmlns:a16="http://schemas.microsoft.com/office/drawing/2014/main" id="{0062B461-7F23-4B8D-8438-039CB1DFC719}"/>
               </a:ext>
             </a:extLst>
           </p:cNvPr>
@@ -18169,7 +18167,7 @@
           <p:cNvPr id="5" name="직사각형 9">
             <a:extLst>
               <a:ext uri="{FF2B5EF4-FFF2-40B4-BE49-F238E27FC236}">
-                <a16:creationId xmlns:a16="http://schemas.microsoft.com/office/drawing/2014/main" xmlns="" id="{0062B461-7F23-4B8D-8438-039CB1DFC719}"/>
+                <a16:creationId xmlns="" xmlns:a16="http://schemas.microsoft.com/office/drawing/2014/main" id="{0062B461-7F23-4B8D-8438-039CB1DFC719}"/>
               </a:ext>
             </a:extLst>
           </p:cNvPr>
@@ -18944,7 +18942,7 @@
           <p:cNvPr id="5" name="직사각형 9">
             <a:extLst>
               <a:ext uri="{FF2B5EF4-FFF2-40B4-BE49-F238E27FC236}">
-                <a16:creationId xmlns:a16="http://schemas.microsoft.com/office/drawing/2014/main" xmlns="" id="{0062B461-7F23-4B8D-8438-039CB1DFC719}"/>
+                <a16:creationId xmlns="" xmlns:a16="http://schemas.microsoft.com/office/drawing/2014/main" id="{0062B461-7F23-4B8D-8438-039CB1DFC719}"/>
               </a:ext>
             </a:extLst>
           </p:cNvPr>
@@ -20850,7 +20848,7 @@
           <p:cNvPr id="5" name="직사각형 9">
             <a:extLst>
               <a:ext uri="{FF2B5EF4-FFF2-40B4-BE49-F238E27FC236}">
-                <a16:creationId xmlns:a16="http://schemas.microsoft.com/office/drawing/2014/main" xmlns="" id="{0062B461-7F23-4B8D-8438-039CB1DFC719}"/>
+                <a16:creationId xmlns="" xmlns:a16="http://schemas.microsoft.com/office/drawing/2014/main" id="{0062B461-7F23-4B8D-8438-039CB1DFC719}"/>
               </a:ext>
             </a:extLst>
           </p:cNvPr>
@@ -22000,7 +21998,7 @@
           <p:cNvPr id="5" name="직사각형 9">
             <a:extLst>
               <a:ext uri="{FF2B5EF4-FFF2-40B4-BE49-F238E27FC236}">
-                <a16:creationId xmlns:a16="http://schemas.microsoft.com/office/drawing/2014/main" xmlns="" id="{0062B461-7F23-4B8D-8438-039CB1DFC719}"/>
+                <a16:creationId xmlns="" xmlns:a16="http://schemas.microsoft.com/office/drawing/2014/main" id="{0062B461-7F23-4B8D-8438-039CB1DFC719}"/>
               </a:ext>
             </a:extLst>
           </p:cNvPr>
@@ -22919,7 +22917,7 @@
           <p:cNvPr id="5" name="직사각형 9">
             <a:extLst>
               <a:ext uri="{FF2B5EF4-FFF2-40B4-BE49-F238E27FC236}">
-                <a16:creationId xmlns:a16="http://schemas.microsoft.com/office/drawing/2014/main" xmlns="" id="{0062B461-7F23-4B8D-8438-039CB1DFC719}"/>
+                <a16:creationId xmlns="" xmlns:a16="http://schemas.microsoft.com/office/drawing/2014/main" id="{0062B461-7F23-4B8D-8438-039CB1DFC719}"/>
               </a:ext>
             </a:extLst>
           </p:cNvPr>
@@ -23975,7 +23973,7 @@
           <p:cNvPr id="5" name="직사각형 9">
             <a:extLst>
               <a:ext uri="{FF2B5EF4-FFF2-40B4-BE49-F238E27FC236}">
-                <a16:creationId xmlns:a16="http://schemas.microsoft.com/office/drawing/2014/main" xmlns="" id="{0062B461-7F23-4B8D-8438-039CB1DFC719}"/>
+                <a16:creationId xmlns="" xmlns:a16="http://schemas.microsoft.com/office/drawing/2014/main" id="{0062B461-7F23-4B8D-8438-039CB1DFC719}"/>
               </a:ext>
             </a:extLst>
           </p:cNvPr>
@@ -24515,8 +24513,8 @@
           </a:p>
         </p:txBody>
       </p:sp>
-      <mc:AlternateContent xmlns:mc="http://schemas.openxmlformats.org/markup-compatibility/2006">
-        <mc:Choice xmlns:a14="http://schemas.microsoft.com/office/drawing/2010/main" Requires="a14">
+      <mc:AlternateContent xmlns:mc="http://schemas.openxmlformats.org/markup-compatibility/2006" xmlns:a14="http://schemas.microsoft.com/office/drawing/2010/main">
+        <mc:Choice Requires="a14">
           <p:sp>
             <p:nvSpPr>
               <p:cNvPr id="3" name="Content Placeholder 2"/>
@@ -24915,7 +24913,7 @@
             </p:txBody>
           </p:sp>
         </mc:Choice>
-        <mc:Fallback>
+        <mc:Fallback xmlns="">
           <p:sp>
             <p:nvSpPr>
               <p:cNvPr id="3" name="Content Placeholder 2"/>
@@ -25247,7 +25245,7 @@
           <p:cNvPr id="5" name="직사각형 9">
             <a:extLst>
               <a:ext uri="{FF2B5EF4-FFF2-40B4-BE49-F238E27FC236}">
-                <a16:creationId xmlns:a16="http://schemas.microsoft.com/office/drawing/2014/main" xmlns="" id="{0062B461-7F23-4B8D-8438-039CB1DFC719}"/>
+                <a16:creationId xmlns="" xmlns:a16="http://schemas.microsoft.com/office/drawing/2014/main" id="{0062B461-7F23-4B8D-8438-039CB1DFC719}"/>
               </a:ext>
             </a:extLst>
           </p:cNvPr>
@@ -26026,7 +26024,7 @@
           <p:cNvPr id="5" name="직사각형 9">
             <a:extLst>
               <a:ext uri="{FF2B5EF4-FFF2-40B4-BE49-F238E27FC236}">
-                <a16:creationId xmlns:a16="http://schemas.microsoft.com/office/drawing/2014/main" xmlns="" id="{0062B461-7F23-4B8D-8438-039CB1DFC719}"/>
+                <a16:creationId xmlns="" xmlns:a16="http://schemas.microsoft.com/office/drawing/2014/main" id="{0062B461-7F23-4B8D-8438-039CB1DFC719}"/>
               </a:ext>
             </a:extLst>
           </p:cNvPr>
@@ -28061,7 +28059,7 @@
           <p:cNvPr id="5" name="직사각형 9">
             <a:extLst>
               <a:ext uri="{FF2B5EF4-FFF2-40B4-BE49-F238E27FC236}">
-                <a16:creationId xmlns:a16="http://schemas.microsoft.com/office/drawing/2014/main" xmlns="" id="{0062B461-7F23-4B8D-8438-039CB1DFC719}"/>
+                <a16:creationId xmlns="" xmlns:a16="http://schemas.microsoft.com/office/drawing/2014/main" id="{0062B461-7F23-4B8D-8438-039CB1DFC719}"/>
               </a:ext>
             </a:extLst>
           </p:cNvPr>
@@ -28817,7 +28815,7 @@
           <p:cNvPr id="5" name="직사각형 9">
             <a:extLst>
               <a:ext uri="{FF2B5EF4-FFF2-40B4-BE49-F238E27FC236}">
-                <a16:creationId xmlns:a16="http://schemas.microsoft.com/office/drawing/2014/main" xmlns="" id="{0062B461-7F23-4B8D-8438-039CB1DFC719}"/>
+                <a16:creationId xmlns="" xmlns:a16="http://schemas.microsoft.com/office/drawing/2014/main" id="{0062B461-7F23-4B8D-8438-039CB1DFC719}"/>
               </a:ext>
             </a:extLst>
           </p:cNvPr>
@@ -29660,7 +29658,7 @@
           <p:cNvPr id="5" name="직사각형 9">
             <a:extLst>
               <a:ext uri="{FF2B5EF4-FFF2-40B4-BE49-F238E27FC236}">
-                <a16:creationId xmlns:a16="http://schemas.microsoft.com/office/drawing/2014/main" xmlns="" id="{0062B461-7F23-4B8D-8438-039CB1DFC719}"/>
+                <a16:creationId xmlns="" xmlns:a16="http://schemas.microsoft.com/office/drawing/2014/main" id="{0062B461-7F23-4B8D-8438-039CB1DFC719}"/>
               </a:ext>
             </a:extLst>
           </p:cNvPr>
@@ -30362,7 +30360,7 @@
           <p:cNvPr id="9" name="직사각형 9">
             <a:extLst>
               <a:ext uri="{FF2B5EF4-FFF2-40B4-BE49-F238E27FC236}">
-                <a16:creationId xmlns:a16="http://schemas.microsoft.com/office/drawing/2014/main" xmlns="" id="{0062B461-7F23-4B8D-8438-039CB1DFC719}"/>
+                <a16:creationId xmlns="" xmlns:a16="http://schemas.microsoft.com/office/drawing/2014/main" id="{0062B461-7F23-4B8D-8438-039CB1DFC719}"/>
               </a:ext>
             </a:extLst>
           </p:cNvPr>
@@ -30490,7 +30488,7 @@
           <p:cNvPr id="7" name="직사각형 9">
             <a:extLst>
               <a:ext uri="{FF2B5EF4-FFF2-40B4-BE49-F238E27FC236}">
-                <a16:creationId xmlns:a16="http://schemas.microsoft.com/office/drawing/2014/main" xmlns="" id="{0062B461-7F23-4B8D-8438-039CB1DFC719}"/>
+                <a16:creationId xmlns="" xmlns:a16="http://schemas.microsoft.com/office/drawing/2014/main" id="{0062B461-7F23-4B8D-8438-039CB1DFC719}"/>
               </a:ext>
             </a:extLst>
           </p:cNvPr>
@@ -30898,7 +30896,7 @@
             <p:cNvPr id="9" name="직사각형 9">
               <a:extLst>
                 <a:ext uri="{FF2B5EF4-FFF2-40B4-BE49-F238E27FC236}">
-                  <a16:creationId xmlns:a16="http://schemas.microsoft.com/office/drawing/2014/main" xmlns="" id="{0062B461-7F23-4B8D-8438-039CB1DFC719}"/>
+                  <a16:creationId xmlns="" xmlns:a16="http://schemas.microsoft.com/office/drawing/2014/main" id="{0062B461-7F23-4B8D-8438-039CB1DFC719}"/>
                 </a:ext>
               </a:extLst>
             </p:cNvPr>
@@ -31252,7 +31250,7 @@
           <p:cNvPr id="5" name="직사각형 9">
             <a:extLst>
               <a:ext uri="{FF2B5EF4-FFF2-40B4-BE49-F238E27FC236}">
-                <a16:creationId xmlns:a16="http://schemas.microsoft.com/office/drawing/2014/main" xmlns="" id="{0062B461-7F23-4B8D-8438-039CB1DFC719}"/>
+                <a16:creationId xmlns="" xmlns:a16="http://schemas.microsoft.com/office/drawing/2014/main" id="{0062B461-7F23-4B8D-8438-039CB1DFC719}"/>
               </a:ext>
             </a:extLst>
           </p:cNvPr>
@@ -31679,7 +31677,7 @@
           <p:cNvPr id="5" name="직사각형 9">
             <a:extLst>
               <a:ext uri="{FF2B5EF4-FFF2-40B4-BE49-F238E27FC236}">
-                <a16:creationId xmlns:a16="http://schemas.microsoft.com/office/drawing/2014/main" xmlns="" id="{0062B461-7F23-4B8D-8438-039CB1DFC719}"/>
+                <a16:creationId xmlns="" xmlns:a16="http://schemas.microsoft.com/office/drawing/2014/main" id="{0062B461-7F23-4B8D-8438-039CB1DFC719}"/>
               </a:ext>
             </a:extLst>
           </p:cNvPr>
@@ -32345,7 +32343,7 @@
           <p:cNvPr id="5" name="직사각형 9">
             <a:extLst>
               <a:ext uri="{FF2B5EF4-FFF2-40B4-BE49-F238E27FC236}">
-                <a16:creationId xmlns:a16="http://schemas.microsoft.com/office/drawing/2014/main" xmlns="" id="{0062B461-7F23-4B8D-8438-039CB1DFC719}"/>
+                <a16:creationId xmlns="" xmlns:a16="http://schemas.microsoft.com/office/drawing/2014/main" id="{0062B461-7F23-4B8D-8438-039CB1DFC719}"/>
               </a:ext>
             </a:extLst>
           </p:cNvPr>
@@ -32949,20 +32947,7 @@
                 <a:cs typeface="Times New Roman" panose="02020603050405020304" pitchFamily="18" charset="0"/>
                 <a:hlinkClick r:id="rId4"/>
               </a:rPr>
-              <a:t>https://</a:t>
-            </a:r>
-            <a:r>
-              <a:rPr lang="en-US" sz="1300" dirty="0" smtClean="0">
-                <a:uFill>
-                  <a:solidFill>
-                    <a:schemeClr val="accent1"/>
-                  </a:solidFill>
-                </a:uFill>
-                <a:latin typeface="+mj-lt"/>
-                <a:cs typeface="Times New Roman" panose="02020603050405020304" pitchFamily="18" charset="0"/>
-                <a:hlinkClick r:id="rId4"/>
-              </a:rPr>
-              <a:t>miro.medium.com/max/770/1*c4WANGmOEPsMUKVShMh92A.png</a:t>
+              <a:t>https://miro.medium.com/max/770/1*c4WANGmOEPsMUKVShMh92A.png</a:t>
             </a:r>
             <a:endParaRPr lang="en-US" sz="1300" dirty="0" smtClean="0">
               <a:uFill>
@@ -33083,7 +33068,7 @@
           <p:cNvPr id="5" name="직사각형 9">
             <a:extLst>
               <a:ext uri="{FF2B5EF4-FFF2-40B4-BE49-F238E27FC236}">
-                <a16:creationId xmlns:a16="http://schemas.microsoft.com/office/drawing/2014/main" xmlns="" id="{0062B461-7F23-4B8D-8438-039CB1DFC719}"/>
+                <a16:creationId xmlns="" xmlns:a16="http://schemas.microsoft.com/office/drawing/2014/main" id="{0062B461-7F23-4B8D-8438-039CB1DFC719}"/>
               </a:ext>
             </a:extLst>
           </p:cNvPr>
@@ -33961,7 +33946,7 @@
           <p:cNvPr id="5" name="직사각형 9">
             <a:extLst>
               <a:ext uri="{FF2B5EF4-FFF2-40B4-BE49-F238E27FC236}">
-                <a16:creationId xmlns:a16="http://schemas.microsoft.com/office/drawing/2014/main" xmlns="" id="{0062B461-7F23-4B8D-8438-039CB1DFC719}"/>
+                <a16:creationId xmlns="" xmlns:a16="http://schemas.microsoft.com/office/drawing/2014/main" id="{0062B461-7F23-4B8D-8438-039CB1DFC719}"/>
               </a:ext>
             </a:extLst>
           </p:cNvPr>
@@ -34531,20 +34516,7 @@
                 <a:cs typeface="Times New Roman" panose="02020603050405020304" pitchFamily="18" charset="0"/>
                 <a:hlinkClick r:id="rId3"/>
               </a:rPr>
-              <a:t>https://miro.medium.com/max/662/1*iv7fsvgvJ5eBv--</a:t>
-            </a:r>
-            <a:r>
-              <a:rPr lang="en-US" sz="1300" dirty="0" smtClean="0">
-                <a:uFill>
-                  <a:solidFill>
-                    <a:schemeClr val="accent1"/>
-                  </a:solidFill>
-                </a:uFill>
-                <a:latin typeface="+mj-lt"/>
-                <a:cs typeface="Times New Roman" panose="02020603050405020304" pitchFamily="18" charset="0"/>
-                <a:hlinkClick r:id="rId3"/>
-              </a:rPr>
-              <a:t>iabxqkA.png</a:t>
+              <a:t>https://miro.medium.com/max/662/1*iv7fsvgvJ5eBv--iabxqkA.png</a:t>
             </a:r>
             <a:endParaRPr lang="en-US" sz="1300" dirty="0" smtClean="0">
               <a:uFill>
@@ -34664,7 +34636,7 @@
           <p:cNvPr id="5" name="직사각형 9">
             <a:extLst>
               <a:ext uri="{FF2B5EF4-FFF2-40B4-BE49-F238E27FC236}">
-                <a16:creationId xmlns:a16="http://schemas.microsoft.com/office/drawing/2014/main" xmlns="" id="{0062B461-7F23-4B8D-8438-039CB1DFC719}"/>
+                <a16:creationId xmlns="" xmlns:a16="http://schemas.microsoft.com/office/drawing/2014/main" id="{0062B461-7F23-4B8D-8438-039CB1DFC719}"/>
               </a:ext>
             </a:extLst>
           </p:cNvPr>
@@ -35234,20 +35206,7 @@
                 <a:cs typeface="Times New Roman" panose="02020603050405020304" pitchFamily="18" charset="0"/>
                 <a:hlinkClick r:id="rId3"/>
               </a:rPr>
-              <a:t>https://</a:t>
-            </a:r>
-            <a:r>
-              <a:rPr lang="en-US" sz="1300" dirty="0" smtClean="0">
-                <a:uFill>
-                  <a:solidFill>
-                    <a:schemeClr val="accent1"/>
-                  </a:solidFill>
-                </a:uFill>
-                <a:latin typeface="+mj-lt"/>
-                <a:cs typeface="Times New Roman" panose="02020603050405020304" pitchFamily="18" charset="0"/>
-                <a:hlinkClick r:id="rId3"/>
-              </a:rPr>
-              <a:t>cs231n.github.io/assets/nn1/neural_net2.jpeg</a:t>
+              <a:t>https://cs231n.github.io/assets/nn1/neural_net2.jpeg</a:t>
             </a:r>
             <a:endParaRPr lang="en-US" sz="1300" dirty="0" smtClean="0">
               <a:uFill>
@@ -35371,7 +35330,7 @@
           <p:cNvPr id="5" name="직사각형 9">
             <a:extLst>
               <a:ext uri="{FF2B5EF4-FFF2-40B4-BE49-F238E27FC236}">
-                <a16:creationId xmlns:a16="http://schemas.microsoft.com/office/drawing/2014/main" xmlns="" id="{0062B461-7F23-4B8D-8438-039CB1DFC719}"/>
+                <a16:creationId xmlns="" xmlns:a16="http://schemas.microsoft.com/office/drawing/2014/main" id="{0062B461-7F23-4B8D-8438-039CB1DFC719}"/>
               </a:ext>
             </a:extLst>
           </p:cNvPr>
